--- a/SPFx/Getting Started Slides/12. PnP Controls for SPFx - Siddharth Vaghasia.pptx
+++ b/SPFx/Getting Started Slides/12. PnP Controls for SPFx - Siddharth Vaghasia.pptx
@@ -6310,7 +6310,7 @@
           <a:p>
             <a:fld id="{2606C8FE-A40F-4EFA-9399-CBDFD77EB4EF}" type="datetimeFigureOut">
               <a:rPr lang="en-US" smtClean="0"/>
-              <a:t>5/13/2020</a:t>
+              <a:t>5/14/2020</a:t>
             </a:fld>
             <a:endParaRPr lang="en-US"/>
           </a:p>
@@ -6487,7 +6487,7 @@
           <a:p>
             <a:fld id="{DAFE1A50-ADA4-4343-9FD7-5307B4B307B5}" type="datetimeFigureOut">
               <a:rPr lang="en-US" smtClean="0"/>
-              <a:t>5/13/2020</a:t>
+              <a:t>5/14/2020</a:t>
             </a:fld>
             <a:endParaRPr lang="en-US"/>
           </a:p>
@@ -7540,7 +7540,7 @@
           <a:p>
             <a:fld id="{6D31EB7D-9C62-455A-A64E-330624384AE6}" type="datetimeFigureOut">
               <a:rPr lang="en-US" smtClean="0"/>
-              <a:t>5/13/2020</a:t>
+              <a:t>5/14/2020</a:t>
             </a:fld>
             <a:endParaRPr lang="en-US"/>
           </a:p>
@@ -7853,7 +7853,7 @@
           <a:p>
             <a:fld id="{6D31EB7D-9C62-455A-A64E-330624384AE6}" type="datetimeFigureOut">
               <a:rPr lang="en-US" smtClean="0"/>
-              <a:t>5/13/2020</a:t>
+              <a:t>5/14/2020</a:t>
             </a:fld>
             <a:endParaRPr lang="en-US"/>
           </a:p>
@@ -8390,7 +8390,7 @@
           <a:p>
             <a:fld id="{6D31EB7D-9C62-455A-A64E-330624384AE6}" type="datetimeFigureOut">
               <a:rPr lang="en-US" smtClean="0"/>
-              <a:t>5/13/2020</a:t>
+              <a:t>5/14/2020</a:t>
             </a:fld>
             <a:endParaRPr lang="en-US"/>
           </a:p>
@@ -8562,7 +8562,7 @@
           <a:p>
             <a:fld id="{6D31EB7D-9C62-455A-A64E-330624384AE6}" type="datetimeFigureOut">
               <a:rPr lang="en-US" smtClean="0"/>
-              <a:t>5/13/2020</a:t>
+              <a:t>5/14/2020</a:t>
             </a:fld>
             <a:endParaRPr lang="en-US"/>
           </a:p>
@@ -8699,7 +8699,7 @@
           <a:p>
             <a:fld id="{6D31EB7D-9C62-455A-A64E-330624384AE6}" type="datetimeFigureOut">
               <a:rPr lang="en-US" smtClean="0"/>
-              <a:t>5/13/2020</a:t>
+              <a:t>5/14/2020</a:t>
             </a:fld>
             <a:endParaRPr lang="en-US"/>
           </a:p>
@@ -9048,7 +9048,7 @@
           <a:p>
             <a:fld id="{6D31EB7D-9C62-455A-A64E-330624384AE6}" type="datetimeFigureOut">
               <a:rPr lang="en-US" smtClean="0"/>
-              <a:t>5/13/2020</a:t>
+              <a:t>5/14/2020</a:t>
             </a:fld>
             <a:endParaRPr lang="en-US"/>
           </a:p>
@@ -9366,7 +9366,7 @@
           <a:p>
             <a:fld id="{6D31EB7D-9C62-455A-A64E-330624384AE6}" type="datetimeFigureOut">
               <a:rPr lang="en-US" smtClean="0"/>
-              <a:t>5/13/2020</a:t>
+              <a:t>5/14/2020</a:t>
             </a:fld>
             <a:endParaRPr lang="en-US"/>
           </a:p>
@@ -9621,7 +9621,7 @@
           <a:p>
             <a:fld id="{6D31EB7D-9C62-455A-A64E-330624384AE6}" type="datetimeFigureOut">
               <a:rPr lang="en-US" smtClean="0"/>
-              <a:t>5/13/2020</a:t>
+              <a:t>5/14/2020</a:t>
             </a:fld>
             <a:endParaRPr lang="en-US"/>
           </a:p>
@@ -9886,7 +9886,7 @@
           <a:p>
             <a:fld id="{6D31EB7D-9C62-455A-A64E-330624384AE6}" type="datetimeFigureOut">
               <a:rPr lang="en-US" smtClean="0"/>
-              <a:t>5/13/2020</a:t>
+              <a:t>5/14/2020</a:t>
             </a:fld>
             <a:endParaRPr lang="en-US"/>
           </a:p>
@@ -14918,7 +14918,7 @@
           <a:p>
             <a:fld id="{6D31EB7D-9C62-455A-A64E-330624384AE6}" type="datetimeFigureOut">
               <a:rPr lang="en-US" smtClean="0"/>
-              <a:t>5/13/2020</a:t>
+              <a:t>5/14/2020</a:t>
             </a:fld>
             <a:endParaRPr lang="en-US"/>
           </a:p>
@@ -15183,7 +15183,7 @@
           <a:p>
             <a:fld id="{6D31EB7D-9C62-455A-A64E-330624384AE6}" type="datetimeFigureOut">
               <a:rPr lang="en-US" smtClean="0"/>
-              <a:t>5/13/2020</a:t>
+              <a:t>5/14/2020</a:t>
             </a:fld>
             <a:endParaRPr lang="en-US"/>
           </a:p>
@@ -19370,23 +19370,7 @@
           <a:p>
             <a:r>
               <a:rPr lang="en-US" dirty="0"/>
-              <a:t>By </a:t>
-            </a:r>
-            <a:r>
-              <a:rPr lang="en-US" dirty="0" err="1"/>
-              <a:t>Nanddeep</a:t>
-            </a:r>
-            <a:r>
-              <a:rPr lang="en-US" dirty="0"/>
-              <a:t> </a:t>
-            </a:r>
-            <a:r>
-              <a:rPr lang="en-US" dirty="0" err="1"/>
-              <a:t>Nanchan</a:t>
-            </a:r>
-            <a:r>
-              <a:rPr lang="en-US" dirty="0"/>
-              <a:t> on 16</a:t>
+              <a:t>By Nanddeep Nachan on 16</a:t>
             </a:r>
             <a:r>
               <a:rPr lang="en-US" baseline="30000" dirty="0"/>
@@ -19850,7 +19834,7 @@
                 </a:ln>
                 <a:extLst>
                   <a:ext uri="{91240B29-F687-4f45-9708-019B960494DF}">
-                    <a14:hiddenLine xmlns:a14="http://schemas.microsoft.com/office/drawing/2010/main" xmlns="" w="9525">
+                    <a14:hiddenLine xmlns="" xmlns:a14="http://schemas.microsoft.com/office/drawing/2010/main" w="9525">
                       <a:solidFill>
                         <a:srgbClr val="000000"/>
                       </a:solidFill>
@@ -20072,7 +20056,7 @@
                 </a:ln>
                 <a:extLst>
                   <a:ext uri="{91240B29-F687-4f45-9708-019B960494DF}">
-                    <a14:hiddenLine xmlns:a14="http://schemas.microsoft.com/office/drawing/2010/main" xmlns="" w="9525">
+                    <a14:hiddenLine xmlns="" xmlns:a14="http://schemas.microsoft.com/office/drawing/2010/main" w="9525">
                       <a:solidFill>
                         <a:srgbClr val="000000"/>
                       </a:solidFill>
